--- a/doc/presentation/PSI_GravityCrusher.pptx
+++ b/doc/presentation/PSI_GravityCrusher.pptx
@@ -256,6 +256,11 @@
       </a:defRPr>
     </a:lvl9pPr>
   </p:defaultTextStyle>
+  <p:extLst>
+    <p:ext uri="{EFAFB233-063F-42B5-8137-9DF3F51BA10A}">
+      <p15:sldGuideLst xmlns:p15="http://schemas.microsoft.com/office/powerpoint/2012/main"/>
+    </p:ext>
+  </p:extLst>
 </p:presentation>
 </file>
 
@@ -9647,7 +9652,7 @@
             </a:pPr>
             <a:r>
               <a:rPr lang="sr-Cyrl-RS" sz="4400" dirty="0"/>
-              <a:t>Пројекат из Принципа софтверског инжењерства</a:t>
+              <a:t>Принципи софтверског инжењерства - пројекат</a:t>
             </a:r>
             <a:endParaRPr sz="4400" dirty="0"/>
           </a:p>
@@ -9991,8 +9996,8 @@
         </p:blipFill>
         <p:spPr>
           <a:xfrm>
-            <a:off x="4557267" y="2166027"/>
-            <a:ext cx="3498815" cy="2413816"/>
+            <a:off x="5690647" y="2072771"/>
+            <a:ext cx="3341969" cy="2305609"/>
           </a:xfrm>
           <a:prstGeom prst="rect">
             <a:avLst/>
@@ -15565,7 +15570,7 @@
             </a:pPr>
             <a:r>
               <a:rPr lang="en-US" sz="1400" dirty="0"/>
-              <a:t>CorelDRAW, GIMP</a:t>
+              <a:t>Illustrator, GIMP</a:t>
             </a:r>
             <a:endParaRPr lang="sr-Latn-RS" sz="1400" dirty="0"/>
           </a:p>
@@ -22031,7 +22036,11 @@
             <a:pPr marL="285750" indent="-285750"/>
             <a:r>
               <a:rPr lang="sr-Cyrl-RS" sz="1400" dirty="0"/>
-              <a:t>Сваки члан тима написао подједнак број ССУ докуманата</a:t>
+              <a:t>Сваки члан тима написао подједнак број ССУ </a:t>
+            </a:r>
+            <a:r>
+              <a:rPr lang="sr-Cyrl-RS" sz="1400" dirty="0" err="1"/>
+              <a:t>докумeната</a:t>
             </a:r>
           </a:p>
         </p:txBody>
@@ -26968,7 +26977,7 @@
         </p:nvSpPr>
         <p:spPr>
           <a:xfrm>
-            <a:off x="3910290" y="1734410"/>
+            <a:off x="3963385" y="1734410"/>
             <a:ext cx="2560320" cy="2560320"/>
           </a:xfrm>
           <a:prstGeom prst="ellipse">
@@ -27050,7 +27059,7 @@
         </p:nvSpPr>
         <p:spPr>
           <a:xfrm>
-            <a:off x="4046956" y="2696005"/>
+            <a:off x="4058755" y="2696005"/>
             <a:ext cx="570489" cy="637130"/>
           </a:xfrm>
           <a:prstGeom prst="flowChartMagneticDisk">
